--- a/DL/New/L7 Convolutional Neural Networks.pptx
+++ b/DL/New/L7 Convolutional Neural Networks.pptx
@@ -342,7 +342,7 @@
           <a:p>
             <a:fld id="{38471555-9102-4ADE-BF1B-2C1CF501483B}" type="datetimeFigureOut">
               <a:rPr lang="en-IN" smtClean="0"/>
-              <a:t>19-02-2024</a:t>
+              <a:t>28-02-2025</a:t>
             </a:fld>
             <a:endParaRPr lang="en-IN"/>
           </a:p>
@@ -542,7 +542,7 @@
           <a:p>
             <a:fld id="{38471555-9102-4ADE-BF1B-2C1CF501483B}" type="datetimeFigureOut">
               <a:rPr lang="en-IN" smtClean="0"/>
-              <a:t>19-02-2024</a:t>
+              <a:t>28-02-2025</a:t>
             </a:fld>
             <a:endParaRPr lang="en-IN"/>
           </a:p>
@@ -752,7 +752,7 @@
           <a:p>
             <a:fld id="{38471555-9102-4ADE-BF1B-2C1CF501483B}" type="datetimeFigureOut">
               <a:rPr lang="en-IN" smtClean="0"/>
-              <a:t>19-02-2024</a:t>
+              <a:t>28-02-2025</a:t>
             </a:fld>
             <a:endParaRPr lang="en-IN"/>
           </a:p>
@@ -952,7 +952,7 @@
           <a:p>
             <a:fld id="{38471555-9102-4ADE-BF1B-2C1CF501483B}" type="datetimeFigureOut">
               <a:rPr lang="en-IN" smtClean="0"/>
-              <a:t>19-02-2024</a:t>
+              <a:t>28-02-2025</a:t>
             </a:fld>
             <a:endParaRPr lang="en-IN"/>
           </a:p>
@@ -1228,7 +1228,7 @@
           <a:p>
             <a:fld id="{38471555-9102-4ADE-BF1B-2C1CF501483B}" type="datetimeFigureOut">
               <a:rPr lang="en-IN" smtClean="0"/>
-              <a:t>19-02-2024</a:t>
+              <a:t>28-02-2025</a:t>
             </a:fld>
             <a:endParaRPr lang="en-IN"/>
           </a:p>
@@ -1496,7 +1496,7 @@
           <a:p>
             <a:fld id="{38471555-9102-4ADE-BF1B-2C1CF501483B}" type="datetimeFigureOut">
               <a:rPr lang="en-IN" smtClean="0"/>
-              <a:t>19-02-2024</a:t>
+              <a:t>28-02-2025</a:t>
             </a:fld>
             <a:endParaRPr lang="en-IN"/>
           </a:p>
@@ -1911,7 +1911,7 @@
           <a:p>
             <a:fld id="{38471555-9102-4ADE-BF1B-2C1CF501483B}" type="datetimeFigureOut">
               <a:rPr lang="en-IN" smtClean="0"/>
-              <a:t>19-02-2024</a:t>
+              <a:t>28-02-2025</a:t>
             </a:fld>
             <a:endParaRPr lang="en-IN"/>
           </a:p>
@@ -2053,7 +2053,7 @@
           <a:p>
             <a:fld id="{38471555-9102-4ADE-BF1B-2C1CF501483B}" type="datetimeFigureOut">
               <a:rPr lang="en-IN" smtClean="0"/>
-              <a:t>19-02-2024</a:t>
+              <a:t>28-02-2025</a:t>
             </a:fld>
             <a:endParaRPr lang="en-IN"/>
           </a:p>
@@ -2166,7 +2166,7 @@
           <a:p>
             <a:fld id="{38471555-9102-4ADE-BF1B-2C1CF501483B}" type="datetimeFigureOut">
               <a:rPr lang="en-IN" smtClean="0"/>
-              <a:t>19-02-2024</a:t>
+              <a:t>28-02-2025</a:t>
             </a:fld>
             <a:endParaRPr lang="en-IN"/>
           </a:p>
@@ -2479,7 +2479,7 @@
           <a:p>
             <a:fld id="{38471555-9102-4ADE-BF1B-2C1CF501483B}" type="datetimeFigureOut">
               <a:rPr lang="en-IN" smtClean="0"/>
-              <a:t>19-02-2024</a:t>
+              <a:t>28-02-2025</a:t>
             </a:fld>
             <a:endParaRPr lang="en-IN"/>
           </a:p>
@@ -2768,7 +2768,7 @@
           <a:p>
             <a:fld id="{38471555-9102-4ADE-BF1B-2C1CF501483B}" type="datetimeFigureOut">
               <a:rPr lang="en-IN" smtClean="0"/>
-              <a:t>19-02-2024</a:t>
+              <a:t>28-02-2025</a:t>
             </a:fld>
             <a:endParaRPr lang="en-IN"/>
           </a:p>
@@ -3011,7 +3011,7 @@
           <a:p>
             <a:fld id="{38471555-9102-4ADE-BF1B-2C1CF501483B}" type="datetimeFigureOut">
               <a:rPr lang="en-IN" smtClean="0"/>
-              <a:t>19-02-2024</a:t>
+              <a:t>28-02-2025</a:t>
             </a:fld>
             <a:endParaRPr lang="en-IN"/>
           </a:p>
@@ -3456,31 +3456,6 @@
           </a:p>
         </p:txBody>
       </p:sp>
-      <p:sp>
-        <p:nvSpPr>
-          <p:cNvPr id="3" name="Subtitle 2">
-            <a:extLst>
-              <a:ext uri="{FF2B5EF4-FFF2-40B4-BE49-F238E27FC236}">
-                <a16:creationId xmlns:a16="http://schemas.microsoft.com/office/drawing/2014/main" id="{F7AB313C-6048-4CAA-B4E3-909C2E8DF423}"/>
-              </a:ext>
-            </a:extLst>
-          </p:cNvPr>
-          <p:cNvSpPr>
-            <a:spLocks noGrp="1"/>
-          </p:cNvSpPr>
-          <p:nvPr>
-            <p:ph type="subTitle" idx="1"/>
-          </p:nvPr>
-        </p:nvSpPr>
-        <p:spPr/>
-        <p:txBody>
-          <a:bodyPr/>
-          <a:lstStyle/>
-          <a:p>
-            <a:endParaRPr lang="en-IN"/>
-          </a:p>
-        </p:txBody>
-      </p:sp>
     </p:spTree>
     <p:extLst>
       <p:ext uri="{BB962C8B-B14F-4D97-AF65-F5344CB8AC3E}">
@@ -3798,8 +3773,24 @@
           </a:p>
           <a:p>
             <a:r>
-              <a:rPr lang="en-US" dirty="0"/>
-              <a:t>We can parameterize the window to look for specific features (e.g. edges) within an image. </a:t>
+              <a:rPr lang="en-US" dirty="0">
+                <a:highlight>
+                  <a:srgbClr val="FFFF00"/>
+                </a:highlight>
+              </a:rPr>
+              <a:t>We can parameterize the window to look for specific features </a:t>
+            </a:r>
+            <a:r>
+              <a:rPr lang="en-US" dirty="0"/>
+              <a:t>(e.g. edges) within an image. </a:t>
+            </a:r>
+            <a:r>
+              <a:rPr lang="en-US" dirty="0">
+                <a:highlight>
+                  <a:srgbClr val="FFFF00"/>
+                </a:highlight>
+              </a:rPr>
+              <a:t>(very similar to the Sobel operator)</a:t>
             </a:r>
           </a:p>
           <a:p>
@@ -3822,7 +3813,11 @@
           </a:p>
           <a:p>
             <a:r>
-              <a:rPr lang="en-US" dirty="0"/>
+              <a:rPr lang="en-US" dirty="0">
+                <a:highlight>
+                  <a:srgbClr val="FFFF00"/>
+                </a:highlight>
+              </a:rPr>
               <a:t>The output of a convolution is referred to as a </a:t>
             </a:r>
             <a:r>
@@ -3830,6 +3825,9 @@
                 <a:solidFill>
                   <a:srgbClr val="00B0F0"/>
                 </a:solidFill>
+                <a:highlight>
+                  <a:srgbClr val="FFFF00"/>
+                </a:highlight>
               </a:rPr>
               <a:t>feature map</a:t>
             </a:r>
@@ -4056,7 +4054,11 @@
           <a:lstStyle/>
           <a:p>
             <a:r>
-              <a:rPr lang="en-US" sz="2000" dirty="0"/>
+              <a:rPr lang="en-US" sz="2000" dirty="0">
+                <a:highlight>
+                  <a:srgbClr val="FFFF00"/>
+                </a:highlight>
+              </a:rPr>
               <a:t>Overlay this filter onto the image and linearly combine the pixel and filter values. </a:t>
             </a:r>
           </a:p>
@@ -4350,7 +4352,7 @@
           <a:p>
             <a:r>
               <a:rPr lang="en-US" sz="2400" dirty="0"/>
-              <a:t> We can imagine each pixel in the convolved layer as a neuron which takes all of the pixel values currently in the window as inputs, linearly combined with the corresponding weights in our filter.</a:t>
+              <a:t>We can imagine each pixel in the convolved layer as a neuron which takes all of the pixel values currently in the window as inputs, linearly combined with the corresponding weights in our filter.</a:t>
             </a:r>
           </a:p>
           <a:p>
@@ -4479,11 +4481,18 @@
                 <a:solidFill>
                   <a:srgbClr val="00B0F0"/>
                 </a:solidFill>
+                <a:highlight>
+                  <a:srgbClr val="FFFF00"/>
+                </a:highlight>
               </a:rPr>
               <a:t>pad </a:t>
             </a:r>
             <a:r>
-              <a:rPr lang="en-US" sz="2400" dirty="0"/>
+              <a:rPr lang="en-US" sz="2400" dirty="0">
+                <a:highlight>
+                  <a:srgbClr val="FFFF00"/>
+                </a:highlight>
+              </a:rPr>
               <a:t>the edges of your images with 0-valued pixels as to fully scan the original image and preserve its complete dimensions</a:t>
             </a:r>
           </a:p>
@@ -4612,14 +4621,30 @@
           </a:p>
           <a:p>
             <a:r>
-              <a:rPr lang="en-US" dirty="0"/>
-              <a:t>A typical convolutional layer will apply multiple filters, each of which output a feature mapping of the input signifying the (spatial) locations where a feature is present. </a:t>
-            </a:r>
-          </a:p>
-          <a:p>
-            <a:r>
-              <a:rPr lang="en-US" dirty="0"/>
-              <a:t>Notice how some feature mappings are more useful than others </a:t>
+              <a:rPr lang="en-US" dirty="0">
+                <a:highlight>
+                  <a:srgbClr val="FFFF00"/>
+                </a:highlight>
+              </a:rPr>
+              <a:t>A typical convolutional layer will apply multiple filters</a:t>
+            </a:r>
+            <a:r>
+              <a:rPr lang="en-US" dirty="0"/>
+              <a:t>, each of which output a feature mapping of the input signifying the (spatial) locations where a feature is present. </a:t>
+            </a:r>
+          </a:p>
+          <a:p>
+            <a:r>
+              <a:rPr lang="en-US" dirty="0"/>
+              <a:t>Notice how </a:t>
+            </a:r>
+            <a:r>
+              <a:rPr lang="en-US" dirty="0">
+                <a:highlight>
+                  <a:srgbClr val="FFFF00"/>
+                </a:highlight>
+              </a:rPr>
+              <a:t>some feature mappings are more useful than others </a:t>
             </a:r>
           </a:p>
           <a:p>
@@ -5046,15 +5071,35 @@
           <a:p>
             <a:r>
               <a:rPr lang="en-US" dirty="0"/>
-              <a:t>We can stack layers of convolutions together (</a:t>
-            </a:r>
-            <a:r>
-              <a:rPr lang="en-US" dirty="0" err="1"/>
+              <a:t>We </a:t>
+            </a:r>
+            <a:r>
+              <a:rPr lang="en-US" dirty="0">
+                <a:highlight>
+                  <a:srgbClr val="FFFF00"/>
+                </a:highlight>
+              </a:rPr>
+              <a:t>can stack layers of convolutions together (</a:t>
+            </a:r>
+            <a:r>
+              <a:rPr lang="en-US" dirty="0" err="1">
+                <a:highlight>
+                  <a:srgbClr val="FFFF00"/>
+                </a:highlight>
+              </a:rPr>
               <a:t>ie</a:t>
             </a:r>
             <a:r>
-              <a:rPr lang="en-US" dirty="0"/>
-              <a:t>. perform convolutions on convolutions) to learn more intricate patterns within the features mapped in the previous layer. </a:t>
+              <a:rPr lang="en-US" dirty="0">
+                <a:highlight>
+                  <a:srgbClr val="FFFF00"/>
+                </a:highlight>
+              </a:rPr>
+              <a:t>. perform convolutions on convolutions)</a:t>
+            </a:r>
+            <a:r>
+              <a:rPr lang="en-US" dirty="0"/>
+              <a:t> to learn more intricate patterns within the features mapped in the previous layer. </a:t>
             </a:r>
           </a:p>
           <a:p>
@@ -5150,7 +5195,11 @@
           <a:lstStyle/>
           <a:p>
             <a:r>
-              <a:rPr lang="en-US" dirty="0"/>
+              <a:rPr lang="en-US" dirty="0">
+                <a:highlight>
+                  <a:srgbClr val="FFFF00"/>
+                </a:highlight>
+              </a:rPr>
               <a:t>A pooling layer can be used to compress spatial information of our feature mappings. </a:t>
             </a:r>
           </a:p>
@@ -5294,10 +5343,25 @@
                   <a:srgbClr val="00B0F0"/>
                 </a:solidFill>
               </a:rPr>
-              <a:t>instead of performing a matrix multiplication, max pooling takes the maximum value within the window</a:t>
-            </a:r>
-            <a:r>
-              <a:rPr lang="en-US" dirty="0"/>
+              <a:t>instead of performing a matrix multiplication, </a:t>
+            </a:r>
+            <a:r>
+              <a:rPr lang="en-US" dirty="0">
+                <a:solidFill>
+                  <a:srgbClr val="00B0F0"/>
+                </a:solidFill>
+                <a:highlight>
+                  <a:srgbClr val="FFFF00"/>
+                </a:highlight>
+              </a:rPr>
+              <a:t>max pooling takes the maximum value within the window</a:t>
+            </a:r>
+            <a:r>
+              <a:rPr lang="en-US" dirty="0">
+                <a:highlight>
+                  <a:srgbClr val="FFFF00"/>
+                </a:highlight>
+              </a:rPr>
               <a:t>.</a:t>
             </a:r>
           </a:p>
@@ -5580,27 +5644,75 @@
           <a:p>
             <a:r>
               <a:rPr lang="en-US" dirty="0"/>
-              <a:t>Max pooling is a </a:t>
-            </a:r>
-            <a:r>
-              <a:rPr lang="en-US" dirty="0" err="1"/>
+              <a:t>Max pooling is </a:t>
+            </a:r>
+            <a:r>
+              <a:rPr lang="en-US" dirty="0">
+                <a:highlight>
+                  <a:srgbClr val="FFFF00"/>
+                </a:highlight>
+              </a:rPr>
+              <a:t>a </a:t>
+            </a:r>
+            <a:r>
+              <a:rPr lang="en-US" dirty="0" err="1">
+                <a:highlight>
+                  <a:srgbClr val="FFFF00"/>
+                </a:highlight>
+              </a:rPr>
               <a:t>downsampling</a:t>
             </a:r>
             <a:r>
-              <a:rPr lang="en-US" dirty="0"/>
+              <a:rPr lang="en-US" dirty="0">
+                <a:highlight>
+                  <a:srgbClr val="FFFF00"/>
+                </a:highlight>
+              </a:rPr>
               <a:t> technique to reduce the spatial dimensions of an input volume. </a:t>
             </a:r>
           </a:p>
           <a:p>
             <a:r>
               <a:rPr lang="en-US" dirty="0"/>
-              <a:t>It is a form of non-linear down-sampling to reduce the number of parameters and computation in the network. </a:t>
-            </a:r>
-          </a:p>
-          <a:p>
-            <a:r>
-              <a:rPr lang="en-US" dirty="0"/>
-              <a:t>The pooling layer is used to reduce the spatial dimensions (i.e., the width and height) of the feature maps, while preserving the depth (i.e., the number of channels)</a:t>
+              <a:t>It is a form of </a:t>
+            </a:r>
+            <a:r>
+              <a:rPr lang="en-US" dirty="0">
+                <a:highlight>
+                  <a:srgbClr val="FFFF00"/>
+                </a:highlight>
+              </a:rPr>
+              <a:t>non-linear down-sampling </a:t>
+            </a:r>
+            <a:r>
+              <a:rPr lang="en-US" dirty="0"/>
+              <a:t>to reduce the number of parameters and computation in the network. </a:t>
+            </a:r>
+          </a:p>
+          <a:p>
+            <a:r>
+              <a:rPr lang="en-US" dirty="0"/>
+              <a:t>The pooling layer is used </a:t>
+            </a:r>
+            <a:r>
+              <a:rPr lang="en-US" dirty="0">
+                <a:highlight>
+                  <a:srgbClr val="FFFF00"/>
+                </a:highlight>
+              </a:rPr>
+              <a:t>to reduce the spatial dimensions </a:t>
+            </a:r>
+            <a:r>
+              <a:rPr lang="en-US" dirty="0"/>
+              <a:t>(i.e., the width and height) of the feature maps, </a:t>
+            </a:r>
+            <a:r>
+              <a:rPr lang="en-US" dirty="0">
+                <a:highlight>
+                  <a:srgbClr val="FFFF00"/>
+                </a:highlight>
+              </a:rPr>
+              <a:t>while preserving the depth (i.e., the number of channels)</a:t>
             </a:r>
           </a:p>
         </p:txBody>
@@ -5696,7 +5808,26 @@
                   <a:srgbClr val="00B0F0"/>
                 </a:solidFill>
               </a:rPr>
-              <a:t>Feature Invariance or Local Translation invariance: </a:t>
+              <a:t>Feature Invariance or </a:t>
+            </a:r>
+            <a:r>
+              <a:rPr lang="en-US" dirty="0">
+                <a:solidFill>
+                  <a:srgbClr val="00B0F0"/>
+                </a:solidFill>
+                <a:highlight>
+                  <a:srgbClr val="FFFF00"/>
+                </a:highlight>
+              </a:rPr>
+              <a:t>Local Translation invariance</a:t>
+            </a:r>
+            <a:r>
+              <a:rPr lang="en-US" dirty="0">
+                <a:solidFill>
+                  <a:srgbClr val="00B0F0"/>
+                </a:solidFill>
+              </a:rPr>
+              <a:t>: </a:t>
             </a:r>
             <a:r>
               <a:rPr lang="en-US" dirty="0"/>
@@ -5728,7 +5859,19 @@
             </a:r>
             <a:r>
               <a:rPr lang="en-US" dirty="0"/>
-              <a:t> the input, max pooling significantly reduces the number of parameters and computations in the network, thus speeding up the learning process and reducing the risk of overfitting.</a:t>
+              <a:t> the input, max pooling significantly </a:t>
+            </a:r>
+            <a:r>
+              <a:rPr lang="en-US" dirty="0">
+                <a:highlight>
+                  <a:srgbClr val="FFFF00"/>
+                </a:highlight>
+              </a:rPr>
+              <a:t>reduces the number of parameters </a:t>
+            </a:r>
+            <a:r>
+              <a:rPr lang="en-US" dirty="0"/>
+              <a:t>and computations in the network, thus speeding up the learning process and reducing the risk of overfitting.</a:t>
             </a:r>
           </a:p>
           <a:p>
@@ -5742,7 +5885,19 @@
             </a:r>
             <a:r>
               <a:rPr lang="en-US" dirty="0"/>
-              <a:t>Max pooling helps to suppress noise in the input data. By taking the maximum value within the window, it emphasizes the presence of strong features and diminishes the weaker ones.</a:t>
+              <a:t>Max pooling helps to </a:t>
+            </a:r>
+            <a:r>
+              <a:rPr lang="en-US" dirty="0">
+                <a:highlight>
+                  <a:srgbClr val="FFFF00"/>
+                </a:highlight>
+              </a:rPr>
+              <a:t>suppress noise in the input data</a:t>
+            </a:r>
+            <a:r>
+              <a:rPr lang="en-US" dirty="0"/>
+              <a:t>. By taking the maximum value within the window, it emphasizes the presence of strong features and diminishes the weaker ones.</a:t>
             </a:r>
             <a:endParaRPr lang="en-IN" dirty="0"/>
           </a:p>
@@ -5843,7 +5998,19 @@
             </a:r>
             <a:r>
               <a:rPr lang="en-US" dirty="0"/>
-              <a:t>One of the main disadvantages of pooling layers is that they discard some information from the input feature maps, which can be important for the final classification or regression task.</a:t>
+              <a:t>One of the main disadvantages of pooling layers is that they </a:t>
+            </a:r>
+            <a:r>
+              <a:rPr lang="en-US" dirty="0">
+                <a:highlight>
+                  <a:srgbClr val="FFFF00"/>
+                </a:highlight>
+              </a:rPr>
+              <a:t>discard some information from the input feature maps</a:t>
+            </a:r>
+            <a:r>
+              <a:rPr lang="en-US" dirty="0"/>
+              <a:t>, which can be important for the final classification or regression task.</a:t>
             </a:r>
           </a:p>
           <a:p>
@@ -5857,7 +6024,19 @@
             </a:r>
             <a:r>
               <a:rPr lang="en-US" dirty="0"/>
-              <a:t> Pooling layers can also cause over-smoothing of the feature maps, which can result in the loss of some fine-grained details that are important for the final classification or regression task.</a:t>
+              <a:t> Pooling layers can also </a:t>
+            </a:r>
+            <a:r>
+              <a:rPr lang="en-US" dirty="0">
+                <a:highlight>
+                  <a:srgbClr val="FFFF00"/>
+                </a:highlight>
+              </a:rPr>
+              <a:t>cause over-smoothing of the feature maps, which can result in the loss of some fine-grained details</a:t>
+            </a:r>
+            <a:r>
+              <a:rPr lang="en-US" dirty="0"/>
+              <a:t> that are important for the final classification or regression task.</a:t>
             </a:r>
           </a:p>
           <a:p>
@@ -5871,19 +6050,42 @@
             </a:r>
             <a:r>
               <a:rPr lang="en-US" dirty="0"/>
-              <a:t>Pooling layers also introduce hyperparameters such as the size of the pooling regions and the stride, which need to be tuned in order to achieve optimal performance. This can be time-consuming and requires some expertise in model building.</a:t>
-            </a:r>
-          </a:p>
-          <a:p>
-            <a:r>
-              <a:rPr lang="en-US" dirty="0"/>
-              <a:t>Max pooling is a fixed operation and </a:t>
+              <a:t>Pooling layers </a:t>
+            </a:r>
+            <a:r>
+              <a:rPr lang="en-US" dirty="0">
+                <a:highlight>
+                  <a:srgbClr val="FFFF00"/>
+                </a:highlight>
+              </a:rPr>
+              <a:t>also introduce hyperparameters such as the size of the pooling regions and the stride, which need to be tuned in order to achieve optimal performance</a:t>
+            </a:r>
+            <a:r>
+              <a:rPr lang="en-US" dirty="0"/>
+              <a:t>. This can be time-consuming and requires some expertise in model building.</a:t>
+            </a:r>
+          </a:p>
+          <a:p>
+            <a:r>
+              <a:rPr lang="en-US" dirty="0"/>
+              <a:t>Max pooling is a </a:t>
+            </a:r>
+            <a:r>
+              <a:rPr lang="en-US" dirty="0">
+                <a:highlight>
+                  <a:srgbClr val="FFFF00"/>
+                </a:highlight>
+              </a:rPr>
+              <a:t>fixed operation and </a:t>
             </a:r>
             <a:r>
               <a:rPr lang="en-US" dirty="0">
                 <a:solidFill>
                   <a:srgbClr val="00B0F0"/>
                 </a:solidFill>
+                <a:highlight>
+                  <a:srgbClr val="FFFF00"/>
+                </a:highlight>
               </a:rPr>
               <a:t>does not learn from the data</a:t>
             </a:r>
@@ -5895,23 +6097,51 @@
           <a:p>
             <a:r>
               <a:rPr lang="en-US" dirty="0"/>
-              <a:t>Note: Modern CNN architectures have started to move away from traditional max pooling layers, using alternatives like </a:t>
-            </a:r>
-            <a:r>
-              <a:rPr lang="en-US" dirty="0" err="1"/>
+              <a:t>Note: Modern CNN architectures have started to move away from traditional max pooling layers, </a:t>
+            </a:r>
+            <a:r>
+              <a:rPr lang="en-US" dirty="0">
+                <a:highlight>
+                  <a:srgbClr val="FFFF00"/>
+                </a:highlight>
+              </a:rPr>
+              <a:t>using alternatives like </a:t>
+            </a:r>
+            <a:r>
+              <a:rPr lang="en-US" dirty="0" err="1">
+                <a:highlight>
+                  <a:srgbClr val="FFFF00"/>
+                </a:highlight>
+              </a:rPr>
               <a:t>strided</a:t>
             </a:r>
             <a:r>
-              <a:rPr lang="en-US" dirty="0"/>
+              <a:rPr lang="en-US" dirty="0">
+                <a:highlight>
+                  <a:srgbClr val="FFFF00"/>
+                </a:highlight>
+              </a:rPr>
               <a:t> convolutions for </a:t>
             </a:r>
             <a:r>
-              <a:rPr lang="en-US" dirty="0" err="1"/>
+              <a:rPr lang="en-US" dirty="0" err="1">
+                <a:highlight>
+                  <a:srgbClr val="FFFF00"/>
+                </a:highlight>
+              </a:rPr>
               <a:t>downsampling</a:t>
             </a:r>
             <a:r>
-              <a:rPr lang="en-US" dirty="0"/>
-              <a:t> or incorporating learnable pooling operations that can adapt to the data</a:t>
+              <a:rPr lang="en-US" dirty="0">
+                <a:highlight>
+                  <a:srgbClr val="FFFF00"/>
+                </a:highlight>
+              </a:rPr>
+              <a:t> or incorporating learnable pooling operations </a:t>
+            </a:r>
+            <a:r>
+              <a:rPr lang="en-US" dirty="0"/>
+              <a:t>that can adapt to the data</a:t>
             </a:r>
             <a:endParaRPr lang="en-IN" dirty="0"/>
           </a:p>
@@ -6024,7 +6254,11 @@
           </a:p>
           <a:p>
             <a:r>
-              <a:rPr lang="en-US" dirty="0"/>
+              <a:rPr lang="en-US" dirty="0">
+                <a:highlight>
+                  <a:srgbClr val="FFFF00"/>
+                </a:highlight>
+              </a:rPr>
               <a:t>[Batch, Channels, Height, Width]</a:t>
             </a:r>
           </a:p>
@@ -6152,14 +6386,15 @@
               </a:rPr>
               <a:t>Interpret the Shape [3, 1, 28, 28] of a given tensor</a:t>
             </a:r>
-            <a:r>
-              <a:rPr lang="en-US" dirty="0"/>
-              <a:t> </a:t>
-            </a:r>
-          </a:p>
-          <a:p>
-            <a:r>
-              <a:rPr lang="en-US" dirty="0"/>
+            <a:endParaRPr lang="en-US" dirty="0"/>
+          </a:p>
+          <a:p>
+            <a:r>
+              <a:rPr lang="en-US" dirty="0">
+                <a:highlight>
+                  <a:srgbClr val="FFFF00"/>
+                </a:highlight>
+              </a:rPr>
               <a:t>A batch of three images, each image with a single color channel, and the image height and width are 28 x 28 respectively.</a:t>
             </a:r>
           </a:p>
@@ -6584,7 +6819,7 @@
           <a:p>
             <a:r>
               <a:rPr lang="en-US" dirty="0"/>
-              <a:t>batch size is one of the hyperparameters that we must test and tune based on how our specific model is performing during training.</a:t>
+              <a:t>Batch size is one of the hyperparameters that we must test and tune based on how our specific model is performing during training.</a:t>
             </a:r>
           </a:p>
           <a:p>
@@ -6596,7 +6831,19 @@
           <a:p>
             <a:r>
               <a:rPr lang="en-US" dirty="0"/>
-              <a:t>Ex: if we set batch size to a relatively high number, say 100, then our machine may not have enough computational power to process all 100 images in parallel, and this would suggest that we need to lower our batch size.</a:t>
+              <a:t>Ex: if we set batch size to a relatively high number, say 100, then our </a:t>
+            </a:r>
+            <a:r>
+              <a:rPr lang="en-US" dirty="0">
+                <a:highlight>
+                  <a:srgbClr val="FFFF00"/>
+                </a:highlight>
+              </a:rPr>
+              <a:t>machine may not have enough computational power </a:t>
+            </a:r>
+            <a:r>
+              <a:rPr lang="en-US" dirty="0"/>
+              <a:t>to process all 100 images in parallel, and this would suggest that we need to lower our batch size.</a:t>
             </a:r>
             <a:endParaRPr lang="en-IN" dirty="0"/>
           </a:p>
@@ -7380,6 +7627,45 @@
           </a:p>
         </p:txBody>
       </p:sp>
+      <p:sp>
+        <p:nvSpPr>
+          <p:cNvPr id="7" name="TextBox 6">
+            <a:extLst>
+              <a:ext uri="{FF2B5EF4-FFF2-40B4-BE49-F238E27FC236}">
+                <a16:creationId xmlns:a16="http://schemas.microsoft.com/office/drawing/2014/main" id="{59950666-1FE0-78BB-576B-45FD2FC14FED}"/>
+              </a:ext>
+            </a:extLst>
+          </p:cNvPr>
+          <p:cNvSpPr txBox="1"/>
+          <p:nvPr/>
+        </p:nvSpPr>
+        <p:spPr>
+          <a:xfrm>
+            <a:off x="8090574" y="5533053"/>
+            <a:ext cx="2208040" cy="369332"/>
+          </a:xfrm>
+          <a:prstGeom prst="rect">
+            <a:avLst/>
+          </a:prstGeom>
+          <a:noFill/>
+        </p:spPr>
+        <p:txBody>
+          <a:bodyPr wrap="none" rtlCol="0">
+            <a:spAutoFit/>
+          </a:bodyPr>
+          <a:lstStyle/>
+          <a:p>
+            <a:r>
+              <a:rPr lang="en-IN" dirty="0">
+                <a:highlight>
+                  <a:srgbClr val="FF0000"/>
+                </a:highlight>
+              </a:rPr>
+              <a:t>This is very important</a:t>
+            </a:r>
+          </a:p>
+        </p:txBody>
+      </p:sp>
     </p:spTree>
     <p:extLst>
       <p:ext uri="{BB962C8B-B14F-4D97-AF65-F5344CB8AC3E}">
@@ -8866,38 +9152,74 @@
           <a:lstStyle/>
           <a:p>
             <a:r>
-              <a:rPr lang="en-US" dirty="0"/>
+              <a:rPr lang="en-US" dirty="0">
+                <a:highlight>
+                  <a:srgbClr val="FFFF00"/>
+                </a:highlight>
+              </a:rPr>
               <a:t>The `</a:t>
             </a:r>
             <a:r>
-              <a:rPr lang="en-US" dirty="0" err="1"/>
+              <a:rPr lang="en-US" dirty="0" err="1">
+                <a:highlight>
+                  <a:srgbClr val="FFFF00"/>
+                </a:highlight>
+              </a:rPr>
               <a:t>torch.nn</a:t>
             </a:r>
             <a:r>
-              <a:rPr lang="en-US" dirty="0"/>
+              <a:rPr lang="en-US" dirty="0">
+                <a:highlight>
+                  <a:srgbClr val="FFFF00"/>
+                </a:highlight>
+              </a:rPr>
               <a:t>. Parameter` class in Python's </a:t>
             </a:r>
             <a:r>
-              <a:rPr lang="en-US" dirty="0" err="1"/>
+              <a:rPr lang="en-US" dirty="0" err="1">
+                <a:highlight>
+                  <a:srgbClr val="FFFF00"/>
+                </a:highlight>
+              </a:rPr>
               <a:t>PyTorch</a:t>
             </a:r>
             <a:r>
-              <a:rPr lang="en-US" dirty="0"/>
+              <a:rPr lang="en-US" dirty="0">
+                <a:highlight>
+                  <a:srgbClr val="FFFF00"/>
+                </a:highlight>
+              </a:rPr>
               <a:t> library is a subclass of the `</a:t>
             </a:r>
             <a:r>
-              <a:rPr lang="en-US" dirty="0" err="1"/>
+              <a:rPr lang="en-US" dirty="0" err="1">
+                <a:highlight>
+                  <a:srgbClr val="FFFF00"/>
+                </a:highlight>
+              </a:rPr>
               <a:t>torch.Tensor</a:t>
             </a:r>
             <a:r>
-              <a:rPr lang="en-US" dirty="0"/>
+              <a:rPr lang="en-US" dirty="0">
+                <a:highlight>
+                  <a:srgbClr val="FFFF00"/>
+                </a:highlight>
+              </a:rPr>
               <a:t>` class. </a:t>
             </a:r>
           </a:p>
           <a:p>
             <a:r>
-              <a:rPr lang="en-US" dirty="0"/>
-              <a:t>It represents a learnable parameter in a neural network model.</a:t>
+              <a:rPr lang="en-US" dirty="0">
+                <a:highlight>
+                  <a:srgbClr val="FFFF00"/>
+                </a:highlight>
+              </a:rPr>
+              <a:t>It represents a learnable parameter in a neural network model</a:t>
+            </a:r>
+            <a:r>
+              <a:rPr lang="en-US" dirty="0"/>
+              <a:t>.</a:t>
             </a:r>
           </a:p>
           <a:p>
@@ -11336,15 +11658,31 @@
           <a:p>
             <a:r>
               <a:rPr lang="en-US" dirty="0"/>
-              <a:t>Thus, a 400 by 400 pixel image has the dimensions (400*400*1)  for a grayscale image</a:t>
-            </a:r>
-          </a:p>
-          <a:p>
-            <a:r>
-              <a:rPr lang="en-US" dirty="0"/>
+              <a:t>Thus</a:t>
+            </a:r>
+            <a:r>
+              <a:rPr lang="en-US" dirty="0">
+                <a:highlight>
+                  <a:srgbClr val="FFFF00"/>
+                </a:highlight>
+              </a:rPr>
+              <a:t>, a 400 by 400 pixel image has the dimensions (400*400*1)  for a grayscale image</a:t>
+            </a:r>
+          </a:p>
+          <a:p>
+            <a:r>
+              <a:rPr lang="en-US" dirty="0">
+                <a:highlight>
+                  <a:srgbClr val="FFFF00"/>
+                </a:highlight>
+              </a:rPr>
               <a:t> and for a color image (400*400*3)</a:t>
             </a:r>
-            <a:endParaRPr lang="en-IN" dirty="0"/>
+            <a:endParaRPr lang="en-IN" dirty="0">
+              <a:highlight>
+                <a:srgbClr val="FFFF00"/>
+              </a:highlight>
+            </a:endParaRPr>
           </a:p>
         </p:txBody>
       </p:sp>
@@ -11505,11 +11843,18 @@
                 <a:solidFill>
                   <a:srgbClr val="00B0F0"/>
                 </a:solidFill>
+                <a:highlight>
+                  <a:srgbClr val="FFFF00"/>
+                </a:highlight>
               </a:rPr>
               <a:t>Activation functions </a:t>
             </a:r>
             <a:r>
-              <a:rPr lang="en-US" dirty="0"/>
+              <a:rPr lang="en-US" dirty="0">
+                <a:highlight>
+                  <a:srgbClr val="FFFF00"/>
+                </a:highlight>
+              </a:rPr>
               <a:t>are then applied to introduce non-linearity into the features. </a:t>
             </a:r>
           </a:p>
@@ -11519,26 +11864,57 @@
                 <a:solidFill>
                   <a:srgbClr val="00B0F0"/>
                 </a:solidFill>
+                <a:highlight>
+                  <a:srgbClr val="FFFF00"/>
+                </a:highlight>
               </a:rPr>
               <a:t>Pooling layers </a:t>
             </a:r>
             <a:r>
-              <a:rPr lang="en-US" dirty="0"/>
+              <a:rPr lang="en-US" dirty="0">
+                <a:highlight>
+                  <a:srgbClr val="FFFF00"/>
+                </a:highlight>
+              </a:rPr>
               <a:t>are used to </a:t>
             </a:r>
             <a:r>
-              <a:rPr lang="en-US" dirty="0" err="1"/>
+              <a:rPr lang="en-US" dirty="0" err="1">
+                <a:highlight>
+                  <a:srgbClr val="FFFF00"/>
+                </a:highlight>
+              </a:rPr>
               <a:t>downsample</a:t>
             </a:r>
             <a:r>
-              <a:rPr lang="en-US" dirty="0"/>
-              <a:t> the feature maps and reduce computational costs.</a:t>
-            </a:r>
-          </a:p>
-          <a:p>
-            <a:r>
-              <a:rPr lang="en-US" dirty="0"/>
-              <a:t>Convolutional Neural Network consists of multiple layers like the input layer, Convolutional layer, Activation functions, Pooling layer, and followed by fully connected layers and output layer</a:t>
+              <a:rPr lang="en-US" dirty="0">
+                <a:highlight>
+                  <a:srgbClr val="FFFF00"/>
+                </a:highlight>
+              </a:rPr>
+              <a:t> </a:t>
+            </a:r>
+            <a:r>
+              <a:rPr lang="en-US" dirty="0"/>
+              <a:t>the feature maps and reduce computational costs.</a:t>
+            </a:r>
+          </a:p>
+          <a:p>
+            <a:r>
+              <a:rPr lang="en-US" dirty="0"/>
+              <a:t>Convolutional Neural Network consists of multiple layers like the input layer</a:t>
+            </a:r>
+            <a:r>
+              <a:rPr lang="en-US" dirty="0">
+                <a:highlight>
+                  <a:srgbClr val="FF0000"/>
+                </a:highlight>
+              </a:rPr>
+              <a:t>, Convolutional layer, Activation functions, Pooling layer, and followed by fully connected layers </a:t>
+            </a:r>
+            <a:r>
+              <a:rPr lang="en-US" dirty="0"/>
+              <a:t>and output layer</a:t>
             </a:r>
             <a:endParaRPr lang="en-IN" dirty="0"/>
           </a:p>
@@ -11740,7 +12116,19 @@
             </a:r>
             <a:r>
               <a:rPr lang="en-US" dirty="0"/>
-              <a:t>that separates and identifies the various features of the image for analysis in a process called as Feature Extraction. </a:t>
+              <a:t>that </a:t>
+            </a:r>
+            <a:r>
+              <a:rPr lang="en-US" dirty="0">
+                <a:highlight>
+                  <a:srgbClr val="FFFF00"/>
+                </a:highlight>
+              </a:rPr>
+              <a:t>separates and identifies the various features </a:t>
+            </a:r>
+            <a:r>
+              <a:rPr lang="en-US" dirty="0"/>
+              <a:t>of the image for analysis in a process called as Feature Extraction. </a:t>
             </a:r>
           </a:p>
           <a:p>
@@ -11770,7 +12158,19 @@
           <a:p>
             <a:r>
               <a:rPr lang="en-US" dirty="0"/>
-              <a:t>This CNN model of feature extraction aims to reduce the number of features present in a dataset. </a:t>
+              <a:t>This CNN model of feature extraction </a:t>
+            </a:r>
+            <a:r>
+              <a:rPr lang="en-US" dirty="0">
+                <a:highlight>
+                  <a:srgbClr val="FFFF00"/>
+                </a:highlight>
+              </a:rPr>
+              <a:t>aims to reduce the number of features</a:t>
+            </a:r>
+            <a:r>
+              <a:rPr lang="en-US" dirty="0"/>
+              <a:t> present in a dataset. </a:t>
             </a:r>
           </a:p>
           <a:p>
@@ -12018,7 +12418,19 @@
             </a:pPr>
             <a:r>
               <a:rPr lang="en-US" dirty="0"/>
-              <a:t>Fully Connected (FC): A fully connected layer (FC) operates on a flattened input where each input is connected to all neurons. </a:t>
+              <a:t>Fully Connected (FC): A fully connected layer (FC) operates on a </a:t>
+            </a:r>
+            <a:r>
+              <a:rPr lang="en-US" dirty="0">
+                <a:highlight>
+                  <a:srgbClr val="FFFF00"/>
+                </a:highlight>
+              </a:rPr>
+              <a:t>flattened input </a:t>
+            </a:r>
+            <a:r>
+              <a:rPr lang="en-US" dirty="0"/>
+              <a:t>where each input is connected to all neurons. </a:t>
             </a:r>
           </a:p>
           <a:p>
@@ -12151,7 +12563,19 @@
           <a:p>
             <a:r>
               <a:rPr lang="en-US" dirty="0"/>
-              <a:t>Next, create the architecture of our CNN model by defining the layers, such as convolutional layers, pooling layers, and fully connected layers. </a:t>
+              <a:t>Next, create the architecture of our CNN model by defining the layers, such as </a:t>
+            </a:r>
+            <a:r>
+              <a:rPr lang="en-US" dirty="0">
+                <a:highlight>
+                  <a:srgbClr val="FFFF00"/>
+                </a:highlight>
+              </a:rPr>
+              <a:t>convolutional layers, pooling layers, and fully connected layers</a:t>
+            </a:r>
+            <a:r>
+              <a:rPr lang="en-US" dirty="0"/>
+              <a:t>. </a:t>
             </a:r>
           </a:p>
           <a:p>
@@ -12322,29 +12746,61 @@
             </a:pPr>
             <a:r>
               <a:rPr lang="en-US" dirty="0"/>
-              <a:t>                             = size of kernel *( </a:t>
-            </a:r>
-            <a:r>
-              <a:rPr lang="en-US" dirty="0" err="1"/>
+              <a:t>                             = </a:t>
+            </a:r>
+            <a:r>
+              <a:rPr lang="en-US" dirty="0">
+                <a:highlight>
+                  <a:srgbClr val="FFFF00"/>
+                </a:highlight>
+              </a:rPr>
+              <a:t>size of kernel *( </a:t>
+            </a:r>
+            <a:r>
+              <a:rPr lang="en-US" dirty="0" err="1">
+                <a:highlight>
+                  <a:srgbClr val="FFFF00"/>
+                </a:highlight>
+              </a:rPr>
               <a:t>in_channels</a:t>
             </a:r>
             <a:r>
-              <a:rPr lang="en-US" dirty="0"/>
+              <a:rPr lang="en-US" dirty="0">
+                <a:highlight>
+                  <a:srgbClr val="FFFF00"/>
+                </a:highlight>
+              </a:rPr>
               <a:t> * </a:t>
             </a:r>
             <a:r>
-              <a:rPr lang="en-US" dirty="0" err="1"/>
+              <a:rPr lang="en-US" dirty="0" err="1">
+                <a:highlight>
+                  <a:srgbClr val="FFFF00"/>
+                </a:highlight>
+              </a:rPr>
               <a:t>out_channels</a:t>
             </a:r>
             <a:r>
-              <a:rPr lang="en-US" dirty="0"/>
+              <a:rPr lang="en-US" dirty="0">
+                <a:highlight>
+                  <a:srgbClr val="FFFF00"/>
+                </a:highlight>
+              </a:rPr>
               <a:t>)+</a:t>
             </a:r>
             <a:r>
-              <a:rPr lang="en-US" dirty="0" err="1"/>
+              <a:rPr lang="en-US" dirty="0" err="1">
+                <a:highlight>
+                  <a:srgbClr val="FFFF00"/>
+                </a:highlight>
+              </a:rPr>
               <a:t>out_channels</a:t>
             </a:r>
-            <a:endParaRPr lang="en-US" dirty="0"/>
+            <a:endParaRPr lang="en-US" dirty="0">
+              <a:highlight>
+                <a:srgbClr val="FFFF00"/>
+              </a:highlight>
+            </a:endParaRPr>
           </a:p>
           <a:p>
             <a:pPr marL="0" indent="0">
@@ -14688,14 +15144,26 @@
           </a:p>
           <a:p>
             <a:r>
-              <a:rPr lang="en-US" dirty="0"/>
+              <a:rPr lang="en-US" dirty="0">
+                <a:highlight>
+                  <a:srgbClr val="FFFF00"/>
+                </a:highlight>
+              </a:rPr>
               <a:t>There are three color channels (Red, Green and Blue) in an RGB image. </a:t>
             </a:r>
           </a:p>
           <a:p>
             <a:r>
-              <a:rPr lang="en-US" dirty="0"/>
-              <a:t>So, an RGB image is represented as (3, height, width) as a 3D array (tensor).</a:t>
+              <a:rPr lang="en-US" dirty="0">
+                <a:highlight>
+                  <a:srgbClr val="FFFF00"/>
+                </a:highlight>
+              </a:rPr>
+              <a:t>So, an RGB image is represented as (3, height, width) as a 3D array (tensor</a:t>
+            </a:r>
+            <a:r>
+              <a:rPr lang="en-US" dirty="0"/>
+              <a:t>).</a:t>
             </a:r>
             <a:endParaRPr lang="en-IN" dirty="0"/>
           </a:p>
@@ -15337,7 +15805,15 @@
           <a:p>
             <a:r>
               <a:rPr lang="en-US" dirty="0"/>
-              <a:t>Note: Number of kernels: This parameter is responsible for defining the depth of the output. If we have three distinct filters, we have three different feature maps, creating a depth of three. Here number of output channels is assumed same as number of kernels </a:t>
+              <a:t>Note: </a:t>
+            </a:r>
+            <a:r>
+              <a:rPr lang="en-US" dirty="0">
+                <a:highlight>
+                  <a:srgbClr val="FFFF00"/>
+                </a:highlight>
+              </a:rPr>
+              <a:t>Number of kernels: This parameter is responsible for defining the depth of the output. If we have three distinct filters, we have three different feature maps, creating a depth of three. Here number of output channels is assumed same as number of kernels </a:t>
             </a:r>
           </a:p>
           <a:p>
@@ -16853,7 +17329,19 @@
           <a:p>
             <a:r>
               <a:rPr lang="en-US" dirty="0"/>
-              <a:t>A feed-forward network takes a vector of inputs, so we must flatten our 2D array of pixel values into a vector</a:t>
+              <a:t>A feed-forward network takes a vector of inputs, </a:t>
+            </a:r>
+            <a:r>
+              <a:rPr lang="en-US" dirty="0">
+                <a:highlight>
+                  <a:srgbClr val="FFFF00"/>
+                </a:highlight>
+              </a:rPr>
+              <a:t>so we must flatten our 2D array </a:t>
+            </a:r>
+            <a:r>
+              <a:rPr lang="en-US" dirty="0"/>
+              <a:t>of pixel values into a vector</a:t>
             </a:r>
           </a:p>
           <a:p>
@@ -16865,13 +17353,24 @@
           <a:p>
             <a:r>
               <a:rPr lang="en-US" dirty="0"/>
-              <a:t>Specifically, we lose the </a:t>
+              <a:t>Specifically, we lose </a:t>
+            </a:r>
+            <a:r>
+              <a:rPr lang="en-US" dirty="0">
+                <a:highlight>
+                  <a:srgbClr val="FFFF00"/>
+                </a:highlight>
+              </a:rPr>
+              <a:t>the </a:t>
             </a:r>
             <a:r>
               <a:rPr lang="en-US" dirty="0">
                 <a:solidFill>
                   <a:srgbClr val="00B0F0"/>
                 </a:solidFill>
+                <a:highlight>
+                  <a:srgbClr val="FFFF00"/>
+                </a:highlight>
               </a:rPr>
               <a:t>spatial relationships within the data</a:t>
             </a:r>
@@ -16904,7 +17403,19 @@
             </a:pPr>
             <a:r>
               <a:rPr lang="en-US" dirty="0"/>
-              <a:t>2. CNNs can reduce the number of parameters in the network significantly. So, CNNs are parameter efficient.</a:t>
+              <a:t>2. </a:t>
+            </a:r>
+            <a:r>
+              <a:rPr lang="en-US" dirty="0">
+                <a:highlight>
+                  <a:srgbClr val="FFFF00"/>
+                </a:highlight>
+              </a:rPr>
+              <a:t>CNNs can reduce the number of parameters in the network significantly</a:t>
+            </a:r>
+            <a:r>
+              <a:rPr lang="en-US" dirty="0"/>
+              <a:t>. So, CNNs are parameter efficient.</a:t>
             </a:r>
           </a:p>
           <a:p>
